--- a/Docs/Countess Quanta Architecture.pptx
+++ b/Docs/Countess Quanta Architecture.pptx
@@ -134,6 +134,11 @@
       </a:defRPr>
     </a:lvl9pPr>
   </p:defaultTextStyle>
+  <p:extLst>
+    <p:ext uri="{EFAFB233-063F-42B5-8137-9DF3F51BA10A}">
+      <p15:sldGuideLst xmlns:p15="http://schemas.microsoft.com/office/powerpoint/2012/main"/>
+    </p:ext>
+  </p:extLst>
 </p:presentation>
 </file>
 
@@ -323,7 +328,7 @@
           <a:p>
             <a:fld id="{4AAD347D-5ACD-4C99-B74B-A9C85AD731AF}" type="datetimeFigureOut">
               <a:rPr lang="en-US" dirty="0"/>
-              <a:t>12/10/2014</a:t>
+              <a:t>12/11/2014</a:t>
             </a:fld>
             <a:endParaRPr lang="en-US" dirty="0"/>
           </a:p>
@@ -593,7 +598,7 @@
           <a:p>
             <a:fld id="{4509A250-FF31-4206-8172-F9D3106AACB1}" type="datetimeFigureOut">
               <a:rPr lang="en-US" dirty="0"/>
-              <a:t>12/10/2014</a:t>
+              <a:t>12/11/2014</a:t>
             </a:fld>
             <a:endParaRPr lang="en-US" dirty="0"/>
           </a:p>
@@ -782,7 +787,7 @@
           <a:p>
             <a:fld id="{4509A250-FF31-4206-8172-F9D3106AACB1}" type="datetimeFigureOut">
               <a:rPr lang="en-US" dirty="0"/>
-              <a:t>12/10/2014</a:t>
+              <a:t>12/11/2014</a:t>
             </a:fld>
             <a:endParaRPr lang="en-US" dirty="0"/>
           </a:p>
@@ -1050,7 +1055,7 @@
           <a:p>
             <a:fld id="{4509A250-FF31-4206-8172-F9D3106AACB1}" type="datetimeFigureOut">
               <a:rPr lang="en-US" dirty="0"/>
-              <a:t>12/10/2014</a:t>
+              <a:t>12/11/2014</a:t>
             </a:fld>
             <a:endParaRPr lang="en-US" dirty="0"/>
           </a:p>
@@ -1386,7 +1391,7 @@
           <a:p>
             <a:fld id="{4509A250-FF31-4206-8172-F9D3106AACB1}" type="datetimeFigureOut">
               <a:rPr lang="en-US" dirty="0"/>
-              <a:t>12/10/2014</a:t>
+              <a:t>12/11/2014</a:t>
             </a:fld>
             <a:endParaRPr lang="en-US" dirty="0"/>
           </a:p>
@@ -2004,7 +2009,7 @@
           <a:p>
             <a:fld id="{4509A250-FF31-4206-8172-F9D3106AACB1}" type="datetimeFigureOut">
               <a:rPr lang="en-US" dirty="0"/>
-              <a:t>12/10/2014</a:t>
+              <a:t>12/11/2014</a:t>
             </a:fld>
             <a:endParaRPr lang="en-US" dirty="0"/>
           </a:p>
@@ -2859,7 +2864,7 @@
           <a:p>
             <a:fld id="{4509A250-FF31-4206-8172-F9D3106AACB1}" type="datetimeFigureOut">
               <a:rPr lang="en-US" dirty="0"/>
-              <a:t>12/10/2014</a:t>
+              <a:t>12/11/2014</a:t>
             </a:fld>
             <a:endParaRPr lang="en-US" dirty="0"/>
           </a:p>
@@ -3024,7 +3029,7 @@
           <a:p>
             <a:fld id="{4509A250-FF31-4206-8172-F9D3106AACB1}" type="datetimeFigureOut">
               <a:rPr lang="en-US" dirty="0"/>
-              <a:t>12/10/2014</a:t>
+              <a:t>12/11/2014</a:t>
             </a:fld>
             <a:endParaRPr lang="en-US" dirty="0"/>
           </a:p>
@@ -3199,7 +3204,7 @@
           <a:p>
             <a:fld id="{4509A250-FF31-4206-8172-F9D3106AACB1}" type="datetimeFigureOut">
               <a:rPr lang="en-US" dirty="0"/>
-              <a:t>12/10/2014</a:t>
+              <a:t>12/11/2014</a:t>
             </a:fld>
             <a:endParaRPr lang="en-US" dirty="0"/>
           </a:p>
@@ -3364,7 +3369,7 @@
           <a:p>
             <a:fld id="{4509A250-FF31-4206-8172-F9D3106AACB1}" type="datetimeFigureOut">
               <a:rPr lang="en-US" dirty="0"/>
-              <a:t>12/10/2014</a:t>
+              <a:t>12/11/2014</a:t>
             </a:fld>
             <a:endParaRPr lang="en-US" dirty="0"/>
           </a:p>
@@ -3606,7 +3611,7 @@
           <a:p>
             <a:fld id="{9796027F-7875-4030-9381-8BD8C4F21935}" type="datetimeFigureOut">
               <a:rPr lang="en-US" dirty="0"/>
-              <a:t>12/10/2014</a:t>
+              <a:t>12/11/2014</a:t>
             </a:fld>
             <a:endParaRPr lang="en-US" dirty="0"/>
           </a:p>
@@ -3893,7 +3898,7 @@
           <a:p>
             <a:fld id="{9796027F-7875-4030-9381-8BD8C4F21935}" type="datetimeFigureOut">
               <a:rPr lang="en-US" dirty="0"/>
-              <a:t>12/10/2014</a:t>
+              <a:t>12/11/2014</a:t>
             </a:fld>
             <a:endParaRPr lang="en-US" dirty="0"/>
           </a:p>
@@ -4332,7 +4337,7 @@
           <a:p>
             <a:fld id="{9796027F-7875-4030-9381-8BD8C4F21935}" type="datetimeFigureOut">
               <a:rPr lang="en-US" dirty="0"/>
-              <a:t>12/10/2014</a:t>
+              <a:t>12/11/2014</a:t>
             </a:fld>
             <a:endParaRPr lang="en-US" dirty="0"/>
           </a:p>
@@ -4445,7 +4450,7 @@
           <a:p>
             <a:fld id="{4509A250-FF31-4206-8172-F9D3106AACB1}" type="datetimeFigureOut">
               <a:rPr lang="en-US" dirty="0"/>
-              <a:t>12/10/2014</a:t>
+              <a:t>12/11/2014</a:t>
             </a:fld>
             <a:endParaRPr lang="en-US" dirty="0"/>
           </a:p>
@@ -4535,7 +4540,7 @@
           <a:p>
             <a:fld id="{4509A250-FF31-4206-8172-F9D3106AACB1}" type="datetimeFigureOut">
               <a:rPr lang="en-US" dirty="0"/>
-              <a:t>12/10/2014</a:t>
+              <a:t>12/11/2014</a:t>
             </a:fld>
             <a:endParaRPr lang="en-US" dirty="0"/>
           </a:p>
@@ -4809,7 +4814,7 @@
           <a:p>
             <a:fld id="{4509A250-FF31-4206-8172-F9D3106AACB1}" type="datetimeFigureOut">
               <a:rPr lang="en-US" dirty="0"/>
-              <a:t>12/10/2014</a:t>
+              <a:t>12/11/2014</a:t>
             </a:fld>
             <a:endParaRPr lang="en-US" dirty="0"/>
           </a:p>
@@ -5079,7 +5084,7 @@
           <a:p>
             <a:fld id="{4509A250-FF31-4206-8172-F9D3106AACB1}" type="datetimeFigureOut">
               <a:rPr lang="en-US" dirty="0"/>
-              <a:t>12/10/2014</a:t>
+              <a:t>12/11/2014</a:t>
             </a:fld>
             <a:endParaRPr lang="en-US" dirty="0"/>
           </a:p>
@@ -5503,7 +5508,7 @@
           <a:p>
             <a:fld id="{4AAD347D-5ACD-4C99-B74B-A9C85AD731AF}" type="datetimeFigureOut">
               <a:rPr lang="en-US" dirty="0"/>
-              <a:t>12/10/2014</a:t>
+              <a:t>12/11/2014</a:t>
             </a:fld>
             <a:endParaRPr lang="en-US" dirty="0"/>
           </a:p>
@@ -9429,7 +9434,7 @@
       </p:sp>
       <p:pic>
         <p:nvPicPr>
-          <p:cNvPr id="4" name="Picture 3"/>
+          <p:cNvPr id="5" name="Picture 4"/>
           <p:cNvPicPr>
             <a:picLocks noChangeAspect="1"/>
           </p:cNvPicPr>
@@ -9443,12 +9448,22 @@
         </p:blipFill>
         <p:spPr>
           <a:xfrm>
-            <a:off x="1460543" y="1568150"/>
-            <a:ext cx="7798787" cy="4830772"/>
+            <a:off x="1338236" y="1297141"/>
+            <a:ext cx="8269462" cy="5122320"/>
           </a:xfrm>
           <a:prstGeom prst="rect">
             <a:avLst/>
           </a:prstGeom>
+          <a:ln>
+            <a:noFill/>
+          </a:ln>
+          <a:effectLst>
+            <a:outerShdw blurRad="292100" dist="139700" dir="2700000" algn="tl" rotWithShape="0">
+              <a:srgbClr val="333333">
+                <a:alpha val="65000"/>
+              </a:srgbClr>
+            </a:outerShdw>
+          </a:effectLst>
         </p:spPr>
       </p:pic>
     </p:spTree>

--- a/Docs/Countess Quanta Architecture.pptx
+++ b/Docs/Countess Quanta Architecture.pptx
@@ -6084,6 +6084,13 @@
   <p:clrMapOvr>
     <a:masterClrMapping/>
   </p:clrMapOvr>
+  <p:timing>
+    <p:tnLst>
+      <p:par>
+        <p:cTn id="1" dur="indefinite" restart="never" nodeType="tmRoot"/>
+      </p:par>
+    </p:tnLst>
+  </p:timing>
 </p:sld>
 </file>
 
@@ -6190,6 +6197,13 @@
   <p:clrMapOvr>
     <a:masterClrMapping/>
   </p:clrMapOvr>
+  <p:timing>
+    <p:tnLst>
+      <p:par>
+        <p:cTn id="1" dur="indefinite" restart="never" nodeType="tmRoot"/>
+      </p:par>
+    </p:tnLst>
+  </p:timing>
 </p:sld>
 </file>
 
@@ -6296,6 +6310,13 @@
   <p:clrMapOvr>
     <a:masterClrMapping/>
   </p:clrMapOvr>
+  <p:timing>
+    <p:tnLst>
+      <p:par>
+        <p:cTn id="1" dur="indefinite" restart="never" nodeType="tmRoot"/>
+      </p:par>
+    </p:tnLst>
+  </p:timing>
 </p:sld>
 </file>
 
@@ -6392,6 +6413,13 @@
   <p:clrMapOvr>
     <a:masterClrMapping/>
   </p:clrMapOvr>
+  <p:timing>
+    <p:tnLst>
+      <p:par>
+        <p:cTn id="1" dur="indefinite" restart="never" nodeType="tmRoot"/>
+      </p:par>
+    </p:tnLst>
+  </p:timing>
 </p:sld>
 </file>
 
@@ -6502,6 +6530,13 @@
   <p:clrMapOvr>
     <a:masterClrMapping/>
   </p:clrMapOvr>
+  <p:timing>
+    <p:tnLst>
+      <p:par>
+        <p:cTn id="1" dur="indefinite" restart="never" nodeType="tmRoot"/>
+      </p:par>
+    </p:tnLst>
+  </p:timing>
 </p:sld>
 </file>
 
@@ -6623,6 +6658,13 @@
   <p:clrMapOvr>
     <a:masterClrMapping/>
   </p:clrMapOvr>
+  <p:timing>
+    <p:tnLst>
+      <p:par>
+        <p:cTn id="1" dur="indefinite" restart="never" nodeType="tmRoot"/>
+      </p:par>
+    </p:tnLst>
+  </p:timing>
 </p:sld>
 </file>
 
@@ -6729,6 +6771,13 @@
   <p:clrMapOvr>
     <a:masterClrMapping/>
   </p:clrMapOvr>
+  <p:timing>
+    <p:tnLst>
+      <p:par>
+        <p:cTn id="1" dur="indefinite" restart="never" nodeType="tmRoot"/>
+      </p:par>
+    </p:tnLst>
+  </p:timing>
 </p:sld>
 </file>
 
@@ -6884,6 +6933,13 @@
   <p:clrMapOvr>
     <a:masterClrMapping/>
   </p:clrMapOvr>
+  <p:timing>
+    <p:tnLst>
+      <p:par>
+        <p:cTn id="1" dur="indefinite" restart="never" nodeType="tmRoot"/>
+      </p:par>
+    </p:tnLst>
+  </p:timing>
 </p:sld>
 </file>
 
@@ -6998,6 +7054,13 @@
   <p:clrMapOvr>
     <a:masterClrMapping/>
   </p:clrMapOvr>
+  <p:timing>
+    <p:tnLst>
+      <p:par>
+        <p:cTn id="1" dur="indefinite" restart="never" nodeType="tmRoot"/>
+      </p:par>
+    </p:tnLst>
+  </p:timing>
 </p:sld>
 </file>
 
@@ -7080,6 +7143,13 @@
   <p:clrMapOvr>
     <a:masterClrMapping/>
   </p:clrMapOvr>
+  <p:timing>
+    <p:tnLst>
+      <p:par>
+        <p:cTn id="1" dur="indefinite" restart="never" nodeType="tmRoot"/>
+      </p:par>
+    </p:tnLst>
+  </p:timing>
 </p:sld>
 </file>
 
@@ -7284,6 +7354,13 @@
   <p:clrMapOvr>
     <a:masterClrMapping/>
   </p:clrMapOvr>
+  <p:timing>
+    <p:tnLst>
+      <p:par>
+        <p:cTn id="1" dur="indefinite" restart="never" nodeType="tmRoot"/>
+      </p:par>
+    </p:tnLst>
+  </p:timing>
 </p:sld>
 </file>
 
@@ -7339,7 +7416,9 @@
         </p:nvSpPr>
         <p:spPr/>
         <p:txBody>
-          <a:bodyPr/>
+          <a:bodyPr>
+            <a:normAutofit lnSpcReduction="10000"/>
+          </a:bodyPr>
           <a:lstStyle/>
           <a:p>
             <a:r>
@@ -7374,7 +7453,17 @@
           <a:p>
             <a:r>
               <a:rPr lang="en-US" dirty="0" smtClean="0"/>
-              <a:t>Easier for new students to pick up and learn</a:t>
+              <a:t>Easier for new students to pick up and </a:t>
+            </a:r>
+            <a:r>
+              <a:rPr lang="en-US" dirty="0" smtClean="0"/>
+              <a:t>learn</a:t>
+            </a:r>
+          </a:p>
+          <a:p>
+            <a:r>
+              <a:rPr lang="en-US" dirty="0" smtClean="0"/>
+              <a:t>Official Kinect SDK not available on Ubuntu</a:t>
             </a:r>
             <a:endParaRPr lang="en-US" dirty="0"/>
           </a:p>
@@ -7390,6 +7479,13 @@
   <p:clrMapOvr>
     <a:masterClrMapping/>
   </p:clrMapOvr>
+  <p:timing>
+    <p:tnLst>
+      <p:par>
+        <p:cTn id="1" dur="indefinite" restart="never" nodeType="tmRoot"/>
+      </p:par>
+    </p:tnLst>
+  </p:timing>
 </p:sld>
 </file>
 
@@ -7486,6 +7582,13 @@
   <p:clrMapOvr>
     <a:masterClrMapping/>
   </p:clrMapOvr>
+  <p:timing>
+    <p:tnLst>
+      <p:par>
+        <p:cTn id="1" dur="indefinite" restart="never" nodeType="tmRoot"/>
+      </p:par>
+    </p:tnLst>
+  </p:timing>
 </p:sld>
 </file>
 
@@ -7618,6 +7721,13 @@
   <p:clrMapOvr>
     <a:masterClrMapping/>
   </p:clrMapOvr>
+  <p:timing>
+    <p:tnLst>
+      <p:par>
+        <p:cTn id="1" dur="indefinite" restart="never" nodeType="tmRoot"/>
+      </p:par>
+    </p:tnLst>
+  </p:timing>
 </p:sld>
 </file>
 
@@ -7714,6 +7824,13 @@
   <p:clrMapOvr>
     <a:masterClrMapping/>
   </p:clrMapOvr>
+  <p:timing>
+    <p:tnLst>
+      <p:par>
+        <p:cTn id="1" dur="indefinite" restart="never" nodeType="tmRoot"/>
+      </p:par>
+    </p:tnLst>
+  </p:timing>
 </p:sld>
 </file>
 
@@ -7846,6 +7963,13 @@
   <p:clrMapOvr>
     <a:masterClrMapping/>
   </p:clrMapOvr>
+  <p:timing>
+    <p:tnLst>
+      <p:par>
+        <p:cTn id="1" dur="indefinite" restart="never" nodeType="tmRoot"/>
+      </p:par>
+    </p:tnLst>
+  </p:timing>
 </p:sld>
 </file>
 
@@ -7936,6 +8060,13 @@
   <p:clrMapOvr>
     <a:masterClrMapping/>
   </p:clrMapOvr>
+  <p:timing>
+    <p:tnLst>
+      <p:par>
+        <p:cTn id="1" dur="indefinite" restart="never" nodeType="tmRoot"/>
+      </p:par>
+    </p:tnLst>
+  </p:timing>
 </p:sld>
 </file>
 
@@ -8072,6 +8203,13 @@
   <p:clrMapOvr>
     <a:masterClrMapping/>
   </p:clrMapOvr>
+  <p:timing>
+    <p:tnLst>
+      <p:par>
+        <p:cTn id="1" dur="indefinite" restart="never" nodeType="tmRoot"/>
+      </p:par>
+    </p:tnLst>
+  </p:timing>
 </p:sld>
 </file>
 
@@ -8218,6 +8356,13 @@
   <p:clrMapOvr>
     <a:masterClrMapping/>
   </p:clrMapOvr>
+  <p:timing>
+    <p:tnLst>
+      <p:par>
+        <p:cTn id="1" dur="indefinite" restart="never" nodeType="tmRoot"/>
+      </p:par>
+    </p:tnLst>
+  </p:timing>
 </p:sld>
 </file>
 
@@ -8332,6 +8477,13 @@
   <p:clrMapOvr>
     <a:masterClrMapping/>
   </p:clrMapOvr>
+  <p:timing>
+    <p:tnLst>
+      <p:par>
+        <p:cTn id="1" dur="indefinite" restart="never" nodeType="tmRoot"/>
+      </p:par>
+    </p:tnLst>
+  </p:timing>
 </p:sld>
 </file>
 
@@ -8412,6 +8564,13 @@
   <p:clrMapOvr>
     <a:masterClrMapping/>
   </p:clrMapOvr>
+  <p:timing>
+    <p:tnLst>
+      <p:par>
+        <p:cTn id="1" dur="indefinite" restart="never" nodeType="tmRoot"/>
+      </p:par>
+    </p:tnLst>
+  </p:timing>
 </p:sld>
 </file>
 
@@ -8492,6 +8651,13 @@
   <p:clrMapOvr>
     <a:masterClrMapping/>
   </p:clrMapOvr>
+  <p:timing>
+    <p:tnLst>
+      <p:par>
+        <p:cTn id="1" dur="indefinite" restart="never" nodeType="tmRoot"/>
+      </p:par>
+    </p:tnLst>
+  </p:timing>
 </p:sld>
 </file>
 
@@ -8598,6 +8764,13 @@
   <p:clrMapOvr>
     <a:masterClrMapping/>
   </p:clrMapOvr>
+  <p:timing>
+    <p:tnLst>
+      <p:par>
+        <p:cTn id="1" dur="indefinite" restart="never" nodeType="tmRoot"/>
+      </p:par>
+    </p:tnLst>
+  </p:timing>
 </p:sld>
 </file>
 
@@ -8674,6 +8847,13 @@
   <p:clrMapOvr>
     <a:masterClrMapping/>
   </p:clrMapOvr>
+  <p:timing>
+    <p:tnLst>
+      <p:par>
+        <p:cTn id="1" dur="indefinite" restart="never" nodeType="tmRoot"/>
+      </p:par>
+    </p:tnLst>
+  </p:timing>
 </p:sld>
 </file>
 
@@ -8840,6 +9020,13 @@
   <p:clrMapOvr>
     <a:masterClrMapping/>
   </p:clrMapOvr>
+  <p:timing>
+    <p:tnLst>
+      <p:par>
+        <p:cTn id="1" dur="indefinite" restart="never" nodeType="tmRoot"/>
+      </p:par>
+    </p:tnLst>
+  </p:timing>
 </p:sld>
 </file>
 
@@ -8946,6 +9133,13 @@
   <p:clrMapOvr>
     <a:masterClrMapping/>
   </p:clrMapOvr>
+  <p:timing>
+    <p:tnLst>
+      <p:par>
+        <p:cTn id="1" dur="indefinite" restart="never" nodeType="tmRoot"/>
+      </p:par>
+    </p:tnLst>
+  </p:timing>
 </p:sld>
 </file>
 
@@ -9052,6 +9246,13 @@
   <p:clrMapOvr>
     <a:masterClrMapping/>
   </p:clrMapOvr>
+  <p:timing>
+    <p:tnLst>
+      <p:par>
+        <p:cTn id="1" dur="indefinite" restart="never" nodeType="tmRoot"/>
+      </p:par>
+    </p:tnLst>
+  </p:timing>
 </p:sld>
 </file>
 
@@ -9158,6 +9359,13 @@
   <p:clrMapOvr>
     <a:masterClrMapping/>
   </p:clrMapOvr>
+  <p:timing>
+    <p:tnLst>
+      <p:par>
+        <p:cTn id="1" dur="indefinite" restart="never" nodeType="tmRoot"/>
+      </p:par>
+    </p:tnLst>
+  </p:timing>
 </p:sld>
 </file>
 
@@ -9264,6 +9472,13 @@
   <p:clrMapOvr>
     <a:masterClrMapping/>
   </p:clrMapOvr>
+  <p:timing>
+    <p:tnLst>
+      <p:par>
+        <p:cTn id="1" dur="indefinite" restart="never" nodeType="tmRoot"/>
+      </p:par>
+    </p:tnLst>
+  </p:timing>
 </p:sld>
 </file>
 
@@ -9370,6 +9585,13 @@
   <p:clrMapOvr>
     <a:masterClrMapping/>
   </p:clrMapOvr>
+  <p:timing>
+    <p:tnLst>
+      <p:par>
+        <p:cTn id="1" dur="indefinite" restart="never" nodeType="tmRoot"/>
+      </p:par>
+    </p:tnLst>
+  </p:timing>
 </p:sld>
 </file>
 
@@ -9476,6 +9698,13 @@
   <p:clrMapOvr>
     <a:masterClrMapping/>
   </p:clrMapOvr>
+  <p:timing>
+    <p:tnLst>
+      <p:par>
+        <p:cTn id="1" dur="indefinite" restart="never" nodeType="tmRoot"/>
+      </p:par>
+    </p:tnLst>
+  </p:timing>
 </p:sld>
 </file>
 
